--- a/illustrations/agas_intern.pptx
+++ b/illustrations/agas_intern.pptx
@@ -243,7 +243,7 @@
           <a:p>
             <a:fld id="{8AEA4B98-962A-9242-A474-F50A27DD8826}" type="datetimeFigureOut">
               <a:rPr lang="en-US" smtClean="0"/>
-              <a:t>9/8/17</a:t>
+              <a:t>8/12/18</a:t>
             </a:fld>
             <a:endParaRPr lang="en-US"/>
           </a:p>
@@ -413,7 +413,7 @@
           <a:p>
             <a:fld id="{8AEA4B98-962A-9242-A474-F50A27DD8826}" type="datetimeFigureOut">
               <a:rPr lang="en-US" smtClean="0"/>
-              <a:t>9/8/17</a:t>
+              <a:t>8/12/18</a:t>
             </a:fld>
             <a:endParaRPr lang="en-US"/>
           </a:p>
@@ -593,7 +593,7 @@
           <a:p>
             <a:fld id="{8AEA4B98-962A-9242-A474-F50A27DD8826}" type="datetimeFigureOut">
               <a:rPr lang="en-US" smtClean="0"/>
-              <a:t>9/8/17</a:t>
+              <a:t>8/12/18</a:t>
             </a:fld>
             <a:endParaRPr lang="en-US"/>
           </a:p>
@@ -763,7 +763,7 @@
           <a:p>
             <a:fld id="{8AEA4B98-962A-9242-A474-F50A27DD8826}" type="datetimeFigureOut">
               <a:rPr lang="en-US" smtClean="0"/>
-              <a:t>9/8/17</a:t>
+              <a:t>8/12/18</a:t>
             </a:fld>
             <a:endParaRPr lang="en-US"/>
           </a:p>
@@ -1009,7 +1009,7 @@
           <a:p>
             <a:fld id="{8AEA4B98-962A-9242-A474-F50A27DD8826}" type="datetimeFigureOut">
               <a:rPr lang="en-US" smtClean="0"/>
-              <a:t>9/8/17</a:t>
+              <a:t>8/12/18</a:t>
             </a:fld>
             <a:endParaRPr lang="en-US"/>
           </a:p>
@@ -1241,7 +1241,7 @@
           <a:p>
             <a:fld id="{8AEA4B98-962A-9242-A474-F50A27DD8826}" type="datetimeFigureOut">
               <a:rPr lang="en-US" smtClean="0"/>
-              <a:t>9/8/17</a:t>
+              <a:t>8/12/18</a:t>
             </a:fld>
             <a:endParaRPr lang="en-US"/>
           </a:p>
@@ -1608,7 +1608,7 @@
           <a:p>
             <a:fld id="{8AEA4B98-962A-9242-A474-F50A27DD8826}" type="datetimeFigureOut">
               <a:rPr lang="en-US" smtClean="0"/>
-              <a:t>9/8/17</a:t>
+              <a:t>8/12/18</a:t>
             </a:fld>
             <a:endParaRPr lang="en-US"/>
           </a:p>
@@ -1726,7 +1726,7 @@
           <a:p>
             <a:fld id="{8AEA4B98-962A-9242-A474-F50A27DD8826}" type="datetimeFigureOut">
               <a:rPr lang="en-US" smtClean="0"/>
-              <a:t>9/8/17</a:t>
+              <a:t>8/12/18</a:t>
             </a:fld>
             <a:endParaRPr lang="en-US"/>
           </a:p>
@@ -1821,7 +1821,7 @@
           <a:p>
             <a:fld id="{8AEA4B98-962A-9242-A474-F50A27DD8826}" type="datetimeFigureOut">
               <a:rPr lang="en-US" smtClean="0"/>
-              <a:t>9/8/17</a:t>
+              <a:t>8/12/18</a:t>
             </a:fld>
             <a:endParaRPr lang="en-US"/>
           </a:p>
@@ -2098,7 +2098,7 @@
           <a:p>
             <a:fld id="{8AEA4B98-962A-9242-A474-F50A27DD8826}" type="datetimeFigureOut">
               <a:rPr lang="en-US" smtClean="0"/>
-              <a:t>9/8/17</a:t>
+              <a:t>8/12/18</a:t>
             </a:fld>
             <a:endParaRPr lang="en-US"/>
           </a:p>
@@ -2351,7 +2351,7 @@
           <a:p>
             <a:fld id="{8AEA4B98-962A-9242-A474-F50A27DD8826}" type="datetimeFigureOut">
               <a:rPr lang="en-US" smtClean="0"/>
-              <a:t>9/8/17</a:t>
+              <a:t>8/12/18</a:t>
             </a:fld>
             <a:endParaRPr lang="en-US"/>
           </a:p>
@@ -2564,7 +2564,7 @@
           <a:p>
             <a:fld id="{8AEA4B98-962A-9242-A474-F50A27DD8826}" type="datetimeFigureOut">
               <a:rPr lang="en-US" smtClean="0"/>
-              <a:t>9/8/17</a:t>
+              <a:t>8/12/18</a:t>
             </a:fld>
             <a:endParaRPr lang="en-US"/>
           </a:p>
@@ -3383,7 +3383,7 @@
         </p:nvSpPr>
         <p:spPr>
           <a:xfrm>
-            <a:off x="7553070" y="4268868"/>
+            <a:off x="3587277" y="5815776"/>
             <a:ext cx="753732" cy="369332"/>
           </a:xfrm>
           <a:prstGeom prst="rect">
@@ -3412,7 +3412,7 @@
         </p:nvSpPr>
         <p:spPr>
           <a:xfrm>
-            <a:off x="7553070" y="4638200"/>
+            <a:off x="3587277" y="6185108"/>
             <a:ext cx="804672" cy="292608"/>
           </a:xfrm>
           <a:prstGeom prst="rect">
@@ -3470,7 +3470,7 @@
         </p:nvSpPr>
         <p:spPr>
           <a:xfrm>
-            <a:off x="8620925" y="4638200"/>
+            <a:off x="4655132" y="6185108"/>
             <a:ext cx="1073409" cy="292608"/>
           </a:xfrm>
           <a:prstGeom prst="rect">
@@ -4112,7 +4112,7 @@
         </p:nvCxnSpPr>
         <p:spPr>
           <a:xfrm>
-            <a:off x="8357742" y="4784504"/>
+            <a:off x="4391949" y="6331412"/>
             <a:ext cx="263183" cy="0"/>
           </a:xfrm>
           <a:prstGeom prst="straightConnector1">
@@ -4148,7 +4148,7 @@
         </p:nvSpPr>
         <p:spPr>
           <a:xfrm>
-            <a:off x="9694334" y="4638200"/>
+            <a:off x="5728541" y="6185108"/>
             <a:ext cx="1693333" cy="292608"/>
           </a:xfrm>
           <a:prstGeom prst="rect">

--- a/illustrations/agas_intern.pptx
+++ b/illustrations/agas_intern.pptx
@@ -243,7 +243,7 @@
           <a:p>
             <a:fld id="{8AEA4B98-962A-9242-A474-F50A27DD8826}" type="datetimeFigureOut">
               <a:rPr lang="en-US" smtClean="0"/>
-              <a:t>8/12/18</a:t>
+              <a:t>8/15/18</a:t>
             </a:fld>
             <a:endParaRPr lang="en-US"/>
           </a:p>
@@ -413,7 +413,7 @@
           <a:p>
             <a:fld id="{8AEA4B98-962A-9242-A474-F50A27DD8826}" type="datetimeFigureOut">
               <a:rPr lang="en-US" smtClean="0"/>
-              <a:t>8/12/18</a:t>
+              <a:t>8/15/18</a:t>
             </a:fld>
             <a:endParaRPr lang="en-US"/>
           </a:p>
@@ -593,7 +593,7 @@
           <a:p>
             <a:fld id="{8AEA4B98-962A-9242-A474-F50A27DD8826}" type="datetimeFigureOut">
               <a:rPr lang="en-US" smtClean="0"/>
-              <a:t>8/12/18</a:t>
+              <a:t>8/15/18</a:t>
             </a:fld>
             <a:endParaRPr lang="en-US"/>
           </a:p>
@@ -763,7 +763,7 @@
           <a:p>
             <a:fld id="{8AEA4B98-962A-9242-A474-F50A27DD8826}" type="datetimeFigureOut">
               <a:rPr lang="en-US" smtClean="0"/>
-              <a:t>8/12/18</a:t>
+              <a:t>8/15/18</a:t>
             </a:fld>
             <a:endParaRPr lang="en-US"/>
           </a:p>
@@ -1009,7 +1009,7 @@
           <a:p>
             <a:fld id="{8AEA4B98-962A-9242-A474-F50A27DD8826}" type="datetimeFigureOut">
               <a:rPr lang="en-US" smtClean="0"/>
-              <a:t>8/12/18</a:t>
+              <a:t>8/15/18</a:t>
             </a:fld>
             <a:endParaRPr lang="en-US"/>
           </a:p>
@@ -1241,7 +1241,7 @@
           <a:p>
             <a:fld id="{8AEA4B98-962A-9242-A474-F50A27DD8826}" type="datetimeFigureOut">
               <a:rPr lang="en-US" smtClean="0"/>
-              <a:t>8/12/18</a:t>
+              <a:t>8/15/18</a:t>
             </a:fld>
             <a:endParaRPr lang="en-US"/>
           </a:p>
@@ -1608,7 +1608,7 @@
           <a:p>
             <a:fld id="{8AEA4B98-962A-9242-A474-F50A27DD8826}" type="datetimeFigureOut">
               <a:rPr lang="en-US" smtClean="0"/>
-              <a:t>8/12/18</a:t>
+              <a:t>8/15/18</a:t>
             </a:fld>
             <a:endParaRPr lang="en-US"/>
           </a:p>
@@ -1726,7 +1726,7 @@
           <a:p>
             <a:fld id="{8AEA4B98-962A-9242-A474-F50A27DD8826}" type="datetimeFigureOut">
               <a:rPr lang="en-US" smtClean="0"/>
-              <a:t>8/12/18</a:t>
+              <a:t>8/15/18</a:t>
             </a:fld>
             <a:endParaRPr lang="en-US"/>
           </a:p>
@@ -1821,7 +1821,7 @@
           <a:p>
             <a:fld id="{8AEA4B98-962A-9242-A474-F50A27DD8826}" type="datetimeFigureOut">
               <a:rPr lang="en-US" smtClean="0"/>
-              <a:t>8/12/18</a:t>
+              <a:t>8/15/18</a:t>
             </a:fld>
             <a:endParaRPr lang="en-US"/>
           </a:p>
@@ -2098,7 +2098,7 @@
           <a:p>
             <a:fld id="{8AEA4B98-962A-9242-A474-F50A27DD8826}" type="datetimeFigureOut">
               <a:rPr lang="en-US" smtClean="0"/>
-              <a:t>8/12/18</a:t>
+              <a:t>8/15/18</a:t>
             </a:fld>
             <a:endParaRPr lang="en-US"/>
           </a:p>
@@ -2351,7 +2351,7 @@
           <a:p>
             <a:fld id="{8AEA4B98-962A-9242-A474-F50A27DD8826}" type="datetimeFigureOut">
               <a:rPr lang="en-US" smtClean="0"/>
-              <a:t>8/12/18</a:t>
+              <a:t>8/15/18</a:t>
             </a:fld>
             <a:endParaRPr lang="en-US"/>
           </a:p>
@@ -2564,7 +2564,7 @@
           <a:p>
             <a:fld id="{8AEA4B98-962A-9242-A474-F50A27DD8826}" type="datetimeFigureOut">
               <a:rPr lang="en-US" smtClean="0"/>
-              <a:t>8/12/18</a:t>
+              <a:t>8/15/18</a:t>
             </a:fld>
             <a:endParaRPr lang="en-US"/>
           </a:p>
@@ -2977,7 +2977,7 @@
         </p:nvSpPr>
         <p:spPr>
           <a:xfrm>
-            <a:off x="3860409" y="3753232"/>
+            <a:off x="407761" y="3275958"/>
             <a:ext cx="2064283" cy="369332"/>
           </a:xfrm>
           <a:prstGeom prst="rect">
@@ -3006,7 +3006,7 @@
         </p:nvSpPr>
         <p:spPr>
           <a:xfrm>
-            <a:off x="3587277" y="4122564"/>
+            <a:off x="134629" y="3645290"/>
             <a:ext cx="804672" cy="292608"/>
           </a:xfrm>
           <a:prstGeom prst="rect">
@@ -3064,7 +3064,7 @@
         </p:nvSpPr>
         <p:spPr>
           <a:xfrm>
-            <a:off x="4665081" y="4122564"/>
+            <a:off x="1212433" y="3645290"/>
             <a:ext cx="1051560" cy="292608"/>
           </a:xfrm>
           <a:prstGeom prst="rect">
@@ -3122,7 +3122,7 @@
         </p:nvSpPr>
         <p:spPr>
           <a:xfrm>
-            <a:off x="5711497" y="4122564"/>
+            <a:off x="2258849" y="3645290"/>
             <a:ext cx="1810512" cy="292608"/>
           </a:xfrm>
           <a:prstGeom prst="rect">
@@ -3180,7 +3180,7 @@
         </p:nvSpPr>
         <p:spPr>
           <a:xfrm>
-            <a:off x="3860409" y="1690688"/>
+            <a:off x="407761" y="1213414"/>
             <a:ext cx="2045496" cy="369332"/>
           </a:xfrm>
           <a:prstGeom prst="rect">
@@ -3209,7 +3209,7 @@
         </p:nvSpPr>
         <p:spPr>
           <a:xfrm>
-            <a:off x="3587277" y="2060020"/>
+            <a:off x="134629" y="1582746"/>
             <a:ext cx="804672" cy="292608"/>
           </a:xfrm>
           <a:prstGeom prst="rect">
@@ -3267,7 +3267,7 @@
         </p:nvSpPr>
         <p:spPr>
           <a:xfrm>
-            <a:off x="4665081" y="2060020"/>
+            <a:off x="1212433" y="1582746"/>
             <a:ext cx="1051560" cy="292608"/>
           </a:xfrm>
           <a:prstGeom prst="rect">
@@ -3325,7 +3325,7 @@
         </p:nvSpPr>
         <p:spPr>
           <a:xfrm>
-            <a:off x="5711497" y="2060020"/>
+            <a:off x="2258849" y="1582746"/>
             <a:ext cx="2048256" cy="292608"/>
           </a:xfrm>
           <a:prstGeom prst="rect">
@@ -3383,7 +3383,7 @@
         </p:nvSpPr>
         <p:spPr>
           <a:xfrm>
-            <a:off x="3587277" y="5815776"/>
+            <a:off x="7402616" y="3275958"/>
             <a:ext cx="753732" cy="369332"/>
           </a:xfrm>
           <a:prstGeom prst="rect">
@@ -3412,7 +3412,7 @@
         </p:nvSpPr>
         <p:spPr>
           <a:xfrm>
-            <a:off x="3587277" y="6185108"/>
+            <a:off x="7402616" y="3645290"/>
             <a:ext cx="804672" cy="292608"/>
           </a:xfrm>
           <a:prstGeom prst="rect">
@@ -3470,7 +3470,7 @@
         </p:nvSpPr>
         <p:spPr>
           <a:xfrm>
-            <a:off x="4655132" y="6185108"/>
+            <a:off x="8470471" y="3645290"/>
             <a:ext cx="1073409" cy="292608"/>
           </a:xfrm>
           <a:prstGeom prst="rect">
@@ -3528,7 +3528,7 @@
         </p:nvSpPr>
         <p:spPr>
           <a:xfrm>
-            <a:off x="3860409" y="4784504"/>
+            <a:off x="7674669" y="1299141"/>
             <a:ext cx="2020553" cy="369332"/>
           </a:xfrm>
           <a:prstGeom prst="rect">
@@ -3557,7 +3557,7 @@
         </p:nvSpPr>
         <p:spPr>
           <a:xfrm>
-            <a:off x="5006971" y="5153836"/>
+            <a:off x="8821231" y="1668473"/>
             <a:ext cx="804672" cy="292608"/>
           </a:xfrm>
           <a:prstGeom prst="rect">
@@ -3615,7 +3615,7 @@
         </p:nvSpPr>
         <p:spPr>
           <a:xfrm>
-            <a:off x="3588356" y="5153836"/>
+            <a:off x="7402616" y="1668473"/>
             <a:ext cx="1051560" cy="292608"/>
           </a:xfrm>
           <a:prstGeom prst="rect">
@@ -3673,7 +3673,7 @@
         </p:nvSpPr>
         <p:spPr>
           <a:xfrm>
-            <a:off x="3860409" y="2721960"/>
+            <a:off x="407761" y="2244686"/>
             <a:ext cx="2439642" cy="369332"/>
           </a:xfrm>
           <a:prstGeom prst="rect">
@@ -3702,7 +3702,7 @@
         </p:nvSpPr>
         <p:spPr>
           <a:xfrm>
-            <a:off x="3587277" y="3091292"/>
+            <a:off x="134629" y="2614018"/>
             <a:ext cx="804672" cy="292608"/>
           </a:xfrm>
           <a:prstGeom prst="rect">
@@ -3760,7 +3760,7 @@
         </p:nvSpPr>
         <p:spPr>
           <a:xfrm>
-            <a:off x="4665081" y="3091292"/>
+            <a:off x="1212433" y="2614018"/>
             <a:ext cx="1051560" cy="292608"/>
           </a:xfrm>
           <a:prstGeom prst="rect">
@@ -3818,7 +3818,7 @@
         </p:nvSpPr>
         <p:spPr>
           <a:xfrm>
-            <a:off x="5711497" y="3091292"/>
+            <a:off x="2258849" y="2614018"/>
             <a:ext cx="1810512" cy="292608"/>
           </a:xfrm>
           <a:prstGeom prst="rect">
@@ -3876,7 +3876,7 @@
         </p:nvSpPr>
         <p:spPr>
           <a:xfrm>
-            <a:off x="8649630" y="2516211"/>
+            <a:off x="5196982" y="2038937"/>
             <a:ext cx="1551771" cy="369332"/>
           </a:xfrm>
           <a:prstGeom prst="rect">
@@ -3906,7 +3906,7 @@
         </p:nvSpPr>
         <p:spPr>
           <a:xfrm>
-            <a:off x="7486381" y="1776415"/>
+            <a:off x="4033733" y="1299141"/>
             <a:ext cx="1134544" cy="1848925"/>
           </a:xfrm>
           <a:prstGeom prst="rightBrace">
@@ -3956,7 +3956,7 @@
         </p:nvCxnSpPr>
         <p:spPr>
           <a:xfrm>
-            <a:off x="4391949" y="2206324"/>
+            <a:off x="939301" y="1729050"/>
             <a:ext cx="273132" cy="0"/>
           </a:xfrm>
           <a:prstGeom prst="straightConnector1">
@@ -3995,7 +3995,7 @@
         </p:nvCxnSpPr>
         <p:spPr>
           <a:xfrm>
-            <a:off x="4391949" y="3237596"/>
+            <a:off x="939301" y="2760322"/>
             <a:ext cx="273132" cy="0"/>
           </a:xfrm>
           <a:prstGeom prst="straightConnector1">
@@ -4034,7 +4034,7 @@
         </p:nvCxnSpPr>
         <p:spPr>
           <a:xfrm>
-            <a:off x="4391949" y="4268868"/>
+            <a:off x="939301" y="3791594"/>
             <a:ext cx="273132" cy="0"/>
           </a:xfrm>
           <a:prstGeom prst="straightConnector1">
@@ -4073,7 +4073,7 @@
         </p:nvCxnSpPr>
         <p:spPr>
           <a:xfrm>
-            <a:off x="4639916" y="5300140"/>
+            <a:off x="8454176" y="1814777"/>
             <a:ext cx="367055" cy="0"/>
           </a:xfrm>
           <a:prstGeom prst="straightConnector1">
@@ -4112,7 +4112,7 @@
         </p:nvCxnSpPr>
         <p:spPr>
           <a:xfrm>
-            <a:off x="4391949" y="6331412"/>
+            <a:off x="8207288" y="3791594"/>
             <a:ext cx="263183" cy="0"/>
           </a:xfrm>
           <a:prstGeom prst="straightConnector1">
@@ -4148,7 +4148,7 @@
         </p:nvSpPr>
         <p:spPr>
           <a:xfrm>
-            <a:off x="5728541" y="6185108"/>
+            <a:off x="9543880" y="3645290"/>
             <a:ext cx="1693333" cy="292608"/>
           </a:xfrm>
           <a:prstGeom prst="rect">
